--- a/_SLIDES/2020_DEEL1/H8-Arrays/6_arrays.pptx
+++ b/_SLIDES/2020_DEEL1/H8-Arrays/6_arrays.pptx
@@ -5,7 +5,7 @@
     <p:sldMasterId id="2147483660" r:id="rId1"/>
   </p:sldMasterIdLst>
   <p:notesMasterIdLst>
-    <p:notesMasterId r:id="rId50"/>
+    <p:notesMasterId r:id="rId51"/>
   </p:notesMasterIdLst>
   <p:sldIdLst>
     <p:sldId id="1964" r:id="rId2"/>
@@ -56,45 +56,46 @@
     <p:sldId id="1972" r:id="rId47"/>
     <p:sldId id="1971" r:id="rId48"/>
     <p:sldId id="1979" r:id="rId49"/>
+    <p:sldId id="330" r:id="rId50"/>
   </p:sldIdLst>
   <p:sldSz cx="12192000" cy="6858000"/>
   <p:notesSz cx="6858000" cy="9144000"/>
   <p:embeddedFontLst>
     <p:embeddedFont>
-      <p:font typeface="Archivo Narrow" panose="020B0506020202020B04" pitchFamily="34" charset="0"/>
-      <p:regular r:id="rId51"/>
-      <p:bold r:id="rId52"/>
-      <p:italic r:id="rId53"/>
+      <p:font typeface="Archivo Narrow" panose="020B0604020202020204" charset="0"/>
+      <p:regular r:id="rId52"/>
+      <p:bold r:id="rId53"/>
+      <p:italic r:id="rId54"/>
     </p:embeddedFont>
     <p:embeddedFont>
-      <p:font typeface="Blogger Sans" panose="02000506030000020004" pitchFamily="50" charset="0"/>
-      <p:regular r:id="rId54"/>
-      <p:bold r:id="rId55"/>
+      <p:font typeface="Blogger Sans" panose="02000506030000020004" charset="0"/>
+      <p:regular r:id="rId55"/>
+      <p:bold r:id="rId56"/>
     </p:embeddedFont>
     <p:embeddedFont>
       <p:font typeface="Calibri" panose="020F0502020204030204" pitchFamily="34" charset="0"/>
-      <p:regular r:id="rId56"/>
-      <p:bold r:id="rId57"/>
-      <p:italic r:id="rId58"/>
-      <p:boldItalic r:id="rId59"/>
+      <p:regular r:id="rId57"/>
+      <p:bold r:id="rId58"/>
+      <p:italic r:id="rId59"/>
+      <p:boldItalic r:id="rId60"/>
     </p:embeddedFont>
     <p:embeddedFont>
       <p:font typeface="Consolas" panose="020B0609020204030204" pitchFamily="49" charset="0"/>
-      <p:regular r:id="rId60"/>
-      <p:bold r:id="rId61"/>
-      <p:italic r:id="rId62"/>
-      <p:boldItalic r:id="rId63"/>
+      <p:regular r:id="rId61"/>
+      <p:bold r:id="rId62"/>
+      <p:italic r:id="rId63"/>
+      <p:boldItalic r:id="rId64"/>
     </p:embeddedFont>
     <p:embeddedFont>
       <p:font typeface="Cooper Black" panose="0208090404030B020404" pitchFamily="18" charset="0"/>
-      <p:regular r:id="rId64"/>
+      <p:regular r:id="rId65"/>
     </p:embeddedFont>
     <p:embeddedFont>
       <p:font typeface="Times" panose="02020603050405020304" pitchFamily="18" charset="0"/>
-      <p:regular r:id="rId65"/>
-      <p:bold r:id="rId66"/>
-      <p:italic r:id="rId67"/>
-      <p:boldItalic r:id="rId68"/>
+      <p:regular r:id="rId66"/>
+      <p:bold r:id="rId67"/>
+      <p:italic r:id="rId68"/>
+      <p:boldItalic r:id="rId69"/>
     </p:embeddedFont>
   </p:embeddedFontLst>
   <p:defaultTextStyle>
@@ -9516,7 +9517,7 @@
           <a:p>
             <a:fld id="{AAB1E9D1-C262-4CF5-AED2-7DBFF7C74527}" type="datetimeFigureOut">
               <a:rPr lang="nl-BE" smtClean="0"/>
-              <a:t>14/10/2020</a:t>
+              <a:t>2/05/2023</a:t>
             </a:fld>
             <a:endParaRPr lang="nl-BE"/>
           </a:p>
@@ -11981,7 +11982,7 @@
           <a:p>
             <a:fld id="{063E5419-232B-4AB4-A633-1C1B1EA8CE36}" type="datetime1">
               <a:rPr lang="nl-BE" smtClean="0"/>
-              <a:t>14/10/2020</a:t>
+              <a:t>2/05/2023</a:t>
             </a:fld>
             <a:endParaRPr lang="nl-BE"/>
           </a:p>
@@ -12009,8 +12010,8 @@
           <a:lstStyle/>
           <a:p>
             <a:r>
-              <a:rPr lang="nl-BE"/>
-              <a:t>Zie Scherp</a:t>
+              <a:rPr lang="nl-BE" dirty="0"/>
+              <a:t>Zie Scherp Scherper</a:t>
             </a:r>
           </a:p>
         </p:txBody>
@@ -12277,7 +12278,7 @@
           <a:p>
             <a:fld id="{0D569C85-CF75-44A7-BBB4-AAE87B9C974F}" type="datetime1">
               <a:rPr lang="nl-BE" smtClean="0"/>
-              <a:t>14/10/2020</a:t>
+              <a:t>2/05/2023</a:t>
             </a:fld>
             <a:endParaRPr lang="nl-BE"/>
           </a:p>
@@ -12305,8 +12306,8 @@
           <a:lstStyle/>
           <a:p>
             <a:r>
-              <a:rPr lang="nl-BE"/>
-              <a:t>Zie Scherp</a:t>
+              <a:rPr lang="nl-BE" dirty="0"/>
+              <a:t>Zie Scherp Scherper</a:t>
             </a:r>
           </a:p>
         </p:txBody>
@@ -12490,7 +12491,7 @@
           <a:p>
             <a:fld id="{1280D5CF-2FDD-492E-B2CB-1432CFC98C82}" type="datetime1">
               <a:rPr lang="nl-BE" smtClean="0"/>
-              <a:t>14/10/2020</a:t>
+              <a:t>2/05/2023</a:t>
             </a:fld>
             <a:endParaRPr lang="nl-BE"/>
           </a:p>
@@ -12518,8 +12519,8 @@
           <a:lstStyle/>
           <a:p>
             <a:r>
-              <a:rPr lang="nl-BE"/>
-              <a:t>Zie Scherp</a:t>
+              <a:rPr lang="nl-BE" dirty="0"/>
+              <a:t>Zie Scherp Scherper</a:t>
             </a:r>
           </a:p>
         </p:txBody>
@@ -12723,7 +12724,7 @@
           <a:p>
             <a:fld id="{A2228F50-65BA-44E6-B519-5402BA7C5D08}" type="datetime1">
               <a:rPr lang="nl-BE" smtClean="0"/>
-              <a:t>14/10/2020</a:t>
+              <a:t>2/05/2023</a:t>
             </a:fld>
             <a:endParaRPr lang="nl-BE"/>
           </a:p>
@@ -12751,8 +12752,8 @@
           <a:lstStyle/>
           <a:p>
             <a:r>
-              <a:rPr lang="nl-BE"/>
-              <a:t>Zie Scherp</a:t>
+              <a:rPr lang="nl-BE" dirty="0"/>
+              <a:t>Zie Scherp Scherper</a:t>
             </a:r>
           </a:p>
         </p:txBody>
@@ -13002,7 +13003,7 @@
           <a:p>
             <a:fld id="{D26C4C0B-8F49-49B8-910C-CB869637FB3B}" type="datetime1">
               <a:rPr lang="nl-BE" smtClean="0"/>
-              <a:t>14/10/2020</a:t>
+              <a:t>2/05/2023</a:t>
             </a:fld>
             <a:endParaRPr lang="nl-BE"/>
           </a:p>
@@ -13030,8 +13031,8 @@
           <a:lstStyle/>
           <a:p>
             <a:r>
-              <a:rPr lang="nl-BE"/>
-              <a:t>Zie Scherp</a:t>
+              <a:rPr lang="nl-BE" dirty="0"/>
+              <a:t>Zie Scherp Scherper</a:t>
             </a:r>
           </a:p>
         </p:txBody>
@@ -13273,7 +13274,7 @@
           <a:p>
             <a:fld id="{0F0F287F-0A4C-4C13-B678-173B18BC44F3}" type="datetime1">
               <a:rPr lang="nl-BE" smtClean="0"/>
-              <a:t>14/10/2020</a:t>
+              <a:t>2/05/2023</a:t>
             </a:fld>
             <a:endParaRPr lang="nl-BE"/>
           </a:p>
@@ -13301,8 +13302,8 @@
           <a:lstStyle/>
           <a:p>
             <a:r>
-              <a:rPr lang="nl-BE"/>
-              <a:t>Zie Scherp</a:t>
+              <a:rPr lang="nl-BE" dirty="0"/>
+              <a:t>Zie Scherp Scherper</a:t>
             </a:r>
           </a:p>
         </p:txBody>
@@ -13691,7 +13692,7 @@
           <a:p>
             <a:fld id="{E9B10497-805E-4A63-A89E-4F994A2DBCBB}" type="datetime1">
               <a:rPr lang="nl-BE" smtClean="0"/>
-              <a:t>14/10/2020</a:t>
+              <a:t>2/05/2023</a:t>
             </a:fld>
             <a:endParaRPr lang="nl-BE"/>
           </a:p>
@@ -13719,8 +13720,8 @@
           <a:lstStyle/>
           <a:p>
             <a:r>
-              <a:rPr lang="nl-BE"/>
-              <a:t>Zie Scherp</a:t>
+              <a:rPr lang="nl-BE" dirty="0"/>
+              <a:t>Zie Scherp Scherper</a:t>
             </a:r>
           </a:p>
         </p:txBody>
@@ -13836,7 +13837,7 @@
           <a:p>
             <a:fld id="{5B3E50CA-632E-44A7-A667-4481C5D209B6}" type="datetime1">
               <a:rPr lang="nl-BE" smtClean="0"/>
-              <a:t>14/10/2020</a:t>
+              <a:t>2/05/2023</a:t>
             </a:fld>
             <a:endParaRPr lang="nl-BE"/>
           </a:p>
@@ -13864,8 +13865,8 @@
           <a:lstStyle/>
           <a:p>
             <a:r>
-              <a:rPr lang="nl-BE"/>
-              <a:t>Zie Scherp</a:t>
+              <a:rPr lang="nl-BE" dirty="0"/>
+              <a:t>Zie Scherp Scherper</a:t>
             </a:r>
           </a:p>
         </p:txBody>
@@ -13952,7 +13953,7 @@
           <a:p>
             <a:fld id="{E8BB3AE7-AD03-4F75-B3DA-C167599234F1}" type="datetime1">
               <a:rPr lang="nl-BE" smtClean="0"/>
-              <a:t>14/10/2020</a:t>
+              <a:t>2/05/2023</a:t>
             </a:fld>
             <a:endParaRPr lang="nl-BE"/>
           </a:p>
@@ -13980,8 +13981,8 @@
           <a:lstStyle/>
           <a:p>
             <a:r>
-              <a:rPr lang="nl-BE"/>
-              <a:t>Zie Scherp</a:t>
+              <a:rPr lang="nl-BE" dirty="0"/>
+              <a:t>Zie Scherp Scherper</a:t>
             </a:r>
           </a:p>
         </p:txBody>
@@ -14268,7 +14269,7 @@
           <a:p>
             <a:fld id="{DB4B8475-17ED-4BC3-A071-2ED81104853C}" type="datetime1">
               <a:rPr lang="nl-BE" smtClean="0"/>
-              <a:t>14/10/2020</a:t>
+              <a:t>2/05/2023</a:t>
             </a:fld>
             <a:endParaRPr lang="nl-BE"/>
           </a:p>
@@ -14296,8 +14297,8 @@
           <a:lstStyle/>
           <a:p>
             <a:r>
-              <a:rPr lang="nl-BE"/>
-              <a:t>Zie Scherp</a:t>
+              <a:rPr lang="nl-BE" dirty="0"/>
+              <a:t>Zie Scherp Scherper</a:t>
             </a:r>
           </a:p>
         </p:txBody>
@@ -14564,7 +14565,7 @@
           <a:p>
             <a:fld id="{E9C72993-DE5A-480C-B2CC-00F568EC779C}" type="datetime1">
               <a:rPr lang="nl-BE" smtClean="0"/>
-              <a:t>14/10/2020</a:t>
+              <a:t>2/05/2023</a:t>
             </a:fld>
             <a:endParaRPr lang="nl-BE"/>
           </a:p>
@@ -14592,8 +14593,8 @@
           <a:lstStyle/>
           <a:p>
             <a:r>
-              <a:rPr lang="nl-BE"/>
-              <a:t>Zie Scherp</a:t>
+              <a:rPr lang="nl-BE" dirty="0"/>
+              <a:t>Zie Scherp Scherper</a:t>
             </a:r>
           </a:p>
         </p:txBody>
@@ -14810,7 +14811,7 @@
           <a:p>
             <a:fld id="{030CE4DC-3D3D-4F9B-907D-8EF520E33D0B}" type="datetime1">
               <a:rPr lang="nl-BE" smtClean="0"/>
-              <a:t>14/10/2020</a:t>
+              <a:t>2/05/2023</a:t>
             </a:fld>
             <a:endParaRPr lang="nl-BE"/>
           </a:p>
@@ -14856,8 +14857,8 @@
           </a:lstStyle>
           <a:p>
             <a:r>
-              <a:rPr lang="nl-BE"/>
-              <a:t>Zie Scherp</a:t>
+              <a:rPr lang="nl-BE" dirty="0"/>
+              <a:t>Zie Scherp Scherper</a:t>
             </a:r>
           </a:p>
         </p:txBody>
@@ -15927,8 +15928,8 @@
           <a:lstStyle/>
           <a:p>
             <a:r>
-              <a:rPr lang="nl-BE"/>
-              <a:t>Zie Scherp</a:t>
+              <a:rPr lang="nl-BE" dirty="0"/>
+              <a:t>Zie Scherp Scherper</a:t>
             </a:r>
           </a:p>
         </p:txBody>
@@ -16526,8 +16527,8 @@
           <a:lstStyle/>
           <a:p>
             <a:r>
-              <a:rPr lang="nl-BE"/>
-              <a:t>Zie Scherp</a:t>
+              <a:rPr lang="nl-BE" dirty="0"/>
+              <a:t>Zie Scherp Scherper</a:t>
             </a:r>
           </a:p>
         </p:txBody>
@@ -17031,8 +17032,8 @@
           <a:lstStyle/>
           <a:p>
             <a:r>
-              <a:rPr lang="nl-BE"/>
-              <a:t>Zie Scherp</a:t>
+              <a:rPr lang="nl-BE" dirty="0"/>
+              <a:t>Zie Scherp Scherper</a:t>
             </a:r>
           </a:p>
         </p:txBody>
@@ -17340,8 +17341,8 @@
           <a:lstStyle/>
           <a:p>
             <a:r>
-              <a:rPr lang="nl-BE"/>
-              <a:t>Zie Scherp</a:t>
+              <a:rPr lang="nl-BE" dirty="0"/>
+              <a:t>Zie Scherp Scherper</a:t>
             </a:r>
           </a:p>
         </p:txBody>
@@ -17820,8 +17821,8 @@
           <a:lstStyle/>
           <a:p>
             <a:r>
-              <a:rPr lang="nl-BE"/>
-              <a:t>Zie Scherp</a:t>
+              <a:rPr lang="nl-BE" dirty="0"/>
+              <a:t>Zie Scherp Scherper</a:t>
             </a:r>
           </a:p>
         </p:txBody>
@@ -18490,8 +18491,8 @@
           <a:lstStyle/>
           <a:p>
             <a:r>
-              <a:rPr lang="nl-BE"/>
-              <a:t>Zie Scherp</a:t>
+              <a:rPr lang="nl-BE" dirty="0"/>
+              <a:t>Zie Scherp Scherper</a:t>
             </a:r>
           </a:p>
         </p:txBody>
@@ -18735,8 +18736,8 @@
           <a:lstStyle/>
           <a:p>
             <a:r>
-              <a:rPr lang="nl-BE"/>
-              <a:t>Zie Scherp</a:t>
+              <a:rPr lang="nl-BE" dirty="0"/>
+              <a:t>Zie Scherp Scherper</a:t>
             </a:r>
           </a:p>
         </p:txBody>
@@ -18987,8 +18988,8 @@
           <a:lstStyle/>
           <a:p>
             <a:r>
-              <a:rPr lang="nl-BE"/>
-              <a:t>Zie Scherp</a:t>
+              <a:rPr lang="nl-BE" dirty="0"/>
+              <a:t>Zie Scherp Scherper</a:t>
             </a:r>
           </a:p>
         </p:txBody>
@@ -19475,8 +19476,8 @@
           <a:lstStyle/>
           <a:p>
             <a:r>
-              <a:rPr lang="nl-BE"/>
-              <a:t>Zie Scherp</a:t>
+              <a:rPr lang="nl-BE" dirty="0"/>
+              <a:t>Zie Scherp Scherper</a:t>
             </a:r>
           </a:p>
         </p:txBody>
@@ -19649,8 +19650,8 @@
           <a:lstStyle/>
           <a:p>
             <a:r>
-              <a:rPr lang="nl-BE"/>
-              <a:t>Zie Scherp</a:t>
+              <a:rPr lang="nl-BE" dirty="0"/>
+              <a:t>Zie Scherp Scherper</a:t>
             </a:r>
           </a:p>
         </p:txBody>
@@ -20048,8 +20049,8 @@
           <a:lstStyle/>
           <a:p>
             <a:r>
-              <a:rPr lang="nl-BE"/>
-              <a:t>Zie Scherp</a:t>
+              <a:rPr lang="nl-BE" dirty="0"/>
+              <a:t>Zie Scherp Scherper</a:t>
             </a:r>
           </a:p>
         </p:txBody>
@@ -20359,8 +20360,8 @@
           <a:lstStyle/>
           <a:p>
             <a:r>
-              <a:rPr lang="nl-BE"/>
-              <a:t>Zie Scherp</a:t>
+              <a:rPr lang="nl-BE" dirty="0"/>
+              <a:t>Zie Scherp Scherper</a:t>
             </a:r>
           </a:p>
         </p:txBody>
@@ -20683,8 +20684,8 @@
           <a:lstStyle/>
           <a:p>
             <a:r>
-              <a:rPr lang="nl-BE"/>
-              <a:t>Zie Scherp</a:t>
+              <a:rPr lang="nl-BE" dirty="0"/>
+              <a:t>Zie Scherp Scherper</a:t>
             </a:r>
           </a:p>
         </p:txBody>
@@ -20927,8 +20928,8 @@
               </a:spcAft>
             </a:pPr>
             <a:r>
-              <a:rPr lang="nl-BE"/>
-              <a:t>Zie Scherp</a:t>
+              <a:rPr lang="nl-BE" dirty="0"/>
+              <a:t>Zie Scherp Scherper</a:t>
             </a:r>
           </a:p>
         </p:txBody>
@@ -21109,8 +21110,8 @@
           <a:lstStyle/>
           <a:p>
             <a:r>
-              <a:rPr lang="nl-BE"/>
-              <a:t>Zie Scherp</a:t>
+              <a:rPr lang="nl-BE" dirty="0"/>
+              <a:t>Zie Scherp Scherper</a:t>
             </a:r>
           </a:p>
         </p:txBody>
@@ -21350,8 +21351,8 @@
           <a:lstStyle/>
           <a:p>
             <a:r>
-              <a:rPr lang="nl-BE"/>
-              <a:t>Zie Scherp</a:t>
+              <a:rPr lang="nl-BE" dirty="0"/>
+              <a:t>Zie Scherp Scherper</a:t>
             </a:r>
           </a:p>
         </p:txBody>
@@ -21607,8 +21608,8 @@
           <a:lstStyle/>
           <a:p>
             <a:r>
-              <a:rPr lang="nl-BE"/>
-              <a:t>Zie Scherp</a:t>
+              <a:rPr lang="nl-BE" dirty="0"/>
+              <a:t>Zie Scherp Scherper</a:t>
             </a:r>
           </a:p>
         </p:txBody>
@@ -21855,8 +21856,8 @@
           <a:lstStyle/>
           <a:p>
             <a:r>
-              <a:rPr lang="nl-BE"/>
-              <a:t>Zie Scherp</a:t>
+              <a:rPr lang="nl-BE" dirty="0"/>
+              <a:t>Zie Scherp Scherper</a:t>
             </a:r>
           </a:p>
         </p:txBody>
@@ -22393,8 +22394,8 @@
           <a:lstStyle/>
           <a:p>
             <a:r>
-              <a:rPr lang="nl-BE"/>
-              <a:t>Zie Scherp</a:t>
+              <a:rPr lang="nl-BE" dirty="0"/>
+              <a:t>Zie Scherp Scherper</a:t>
             </a:r>
           </a:p>
         </p:txBody>
@@ -22736,8 +22737,8 @@
           <a:lstStyle/>
           <a:p>
             <a:r>
-              <a:rPr lang="nl-BE"/>
-              <a:t>Zie Scherp</a:t>
+              <a:rPr lang="nl-BE" dirty="0"/>
+              <a:t>Zie Scherp Scherper</a:t>
             </a:r>
           </a:p>
         </p:txBody>
@@ -22928,8 +22929,8 @@
           <a:lstStyle/>
           <a:p>
             <a:r>
-              <a:rPr lang="nl-BE"/>
-              <a:t>Zie Scherp</a:t>
+              <a:rPr lang="nl-BE" dirty="0"/>
+              <a:t>Zie Scherp Scherper</a:t>
             </a:r>
           </a:p>
         </p:txBody>
@@ -23595,8 +23596,8 @@
           <a:lstStyle/>
           <a:p>
             <a:r>
-              <a:rPr lang="nl-BE"/>
-              <a:t>Zie Scherp</a:t>
+              <a:rPr lang="nl-BE" dirty="0"/>
+              <a:t>Zie Scherp Scherper</a:t>
             </a:r>
           </a:p>
         </p:txBody>
@@ -24785,8 +24786,8 @@
           <a:lstStyle/>
           <a:p>
             <a:r>
-              <a:rPr lang="nl-BE"/>
-              <a:t>Zie Scherp</a:t>
+              <a:rPr lang="nl-BE" dirty="0"/>
+              <a:t>Zie Scherp Scherper</a:t>
             </a:r>
           </a:p>
         </p:txBody>
@@ -25914,8 +25915,8 @@
           <a:lstStyle/>
           <a:p>
             <a:r>
-              <a:rPr lang="nl-BE"/>
-              <a:t>Zie Scherp</a:t>
+              <a:rPr lang="nl-BE" dirty="0"/>
+              <a:t>Zie Scherp Scherper</a:t>
             </a:r>
           </a:p>
         </p:txBody>
@@ -26344,8 +26345,8 @@
           <a:lstStyle/>
           <a:p>
             <a:r>
-              <a:rPr lang="nl-BE"/>
-              <a:t>Zie Scherp</a:t>
+              <a:rPr lang="nl-BE" dirty="0"/>
+              <a:t>Zie Scherp Scherper</a:t>
             </a:r>
           </a:p>
         </p:txBody>
@@ -27317,8 +27318,8 @@
           <a:lstStyle/>
           <a:p>
             <a:r>
-              <a:rPr lang="nl-BE"/>
-              <a:t>Zie Scherp</a:t>
+              <a:rPr lang="nl-BE" dirty="0"/>
+              <a:t>Zie Scherp Scherper</a:t>
             </a:r>
           </a:p>
         </p:txBody>
@@ -27748,8 +27749,8 @@
           <a:lstStyle/>
           <a:p>
             <a:r>
-              <a:rPr lang="nl-BE"/>
-              <a:t>Zie Scherp</a:t>
+              <a:rPr lang="nl-BE" dirty="0"/>
+              <a:t>Zie Scherp Scherper</a:t>
             </a:r>
           </a:p>
         </p:txBody>
@@ -28233,8 +28234,8 @@
           <a:lstStyle/>
           <a:p>
             <a:r>
-              <a:rPr lang="nl-BE"/>
-              <a:t>Zie Scherp</a:t>
+              <a:rPr lang="nl-BE" dirty="0"/>
+              <a:t>Zie Scherp Scherper</a:t>
             </a:r>
           </a:p>
         </p:txBody>
@@ -28421,8 +28422,24 @@
               <a:defRPr/>
             </a:pPr>
             <a:r>
-              <a:rPr lang="en-US"/>
-              <a:t>Zie Scherp</a:t>
+              <a:rPr lang="en-US" dirty="0" err="1"/>
+              <a:t>Zie</a:t>
+            </a:r>
+            <a:r>
+              <a:rPr lang="en-US" dirty="0"/>
+              <a:t> </a:t>
+            </a:r>
+            <a:r>
+              <a:rPr lang="en-US" dirty="0" err="1"/>
+              <a:t>Scherp</a:t>
+            </a:r>
+            <a:r>
+              <a:rPr lang="en-US" dirty="0"/>
+              <a:t> </a:t>
+            </a:r>
+            <a:r>
+              <a:rPr lang="en-US" dirty="0" err="1"/>
+              <a:t>Scherper</a:t>
             </a:r>
             <a:endParaRPr lang="en-US" dirty="0"/>
           </a:p>
@@ -28875,8 +28892,8 @@
           <a:lstStyle/>
           <a:p>
             <a:r>
-              <a:rPr lang="nl-BE"/>
-              <a:t>Zie Scherp</a:t>
+              <a:rPr lang="nl-BE" dirty="0"/>
+              <a:t>Zie Scherp Scherper</a:t>
             </a:r>
           </a:p>
         </p:txBody>
@@ -29023,8 +29040,8 @@
           <a:lstStyle/>
           <a:p>
             <a:r>
-              <a:rPr lang="nl-BE"/>
-              <a:t>Zie Scherp</a:t>
+              <a:rPr lang="nl-BE" dirty="0"/>
+              <a:t>Zie Scherp Scherper</a:t>
             </a:r>
           </a:p>
         </p:txBody>
@@ -29328,8 +29345,8 @@
           <a:lstStyle/>
           <a:p>
             <a:r>
-              <a:rPr lang="nl-BE"/>
-              <a:t>Zie Scherp</a:t>
+              <a:rPr lang="nl-BE" dirty="0"/>
+              <a:t>Zie Scherp Scherper</a:t>
             </a:r>
           </a:p>
         </p:txBody>
@@ -29757,8 +29774,8 @@
           <a:lstStyle/>
           <a:p>
             <a:r>
-              <a:rPr lang="nl-BE"/>
-              <a:t>Zie Scherp</a:t>
+              <a:rPr lang="nl-BE" dirty="0"/>
+              <a:t>Zie Scherp Scherper</a:t>
             </a:r>
           </a:p>
         </p:txBody>
@@ -30470,8 +30487,8 @@
           <a:lstStyle/>
           <a:p>
             <a:r>
-              <a:rPr lang="nl-BE"/>
-              <a:t>Zie Scherp</a:t>
+              <a:rPr lang="nl-BE" dirty="0"/>
+              <a:t>Zie Scherp Scherper</a:t>
             </a:r>
           </a:p>
         </p:txBody>
@@ -31235,8 +31252,8 @@
           <a:lstStyle/>
           <a:p>
             <a:r>
-              <a:rPr lang="nl-BE"/>
-              <a:t>Zie Scherp</a:t>
+              <a:rPr lang="nl-BE" dirty="0"/>
+              <a:t>Zie Scherp Scherper</a:t>
             </a:r>
           </a:p>
         </p:txBody>
@@ -31405,8 +31422,8 @@
           <a:lstStyle/>
           <a:p>
             <a:r>
-              <a:rPr lang="nl-BE"/>
-              <a:t>Zie Scherp</a:t>
+              <a:rPr lang="nl-BE" dirty="0"/>
+              <a:t>Zie Scherp Scherper</a:t>
             </a:r>
           </a:p>
         </p:txBody>
@@ -31694,8 +31711,8 @@
           <a:lstStyle/>
           <a:p>
             <a:r>
-              <a:rPr lang="nl-BE"/>
-              <a:t>Zie Scherp</a:t>
+              <a:rPr lang="nl-BE" dirty="0"/>
+              <a:t>Zie Scherp Scherper</a:t>
             </a:r>
           </a:p>
         </p:txBody>
@@ -31931,8 +31948,8 @@
           <a:lstStyle/>
           <a:p>
             <a:r>
-              <a:rPr lang="nl-BE"/>
-              <a:t>Zie Scherp</a:t>
+              <a:rPr lang="nl-BE" dirty="0"/>
+              <a:t>Zie Scherp Scherper</a:t>
             </a:r>
           </a:p>
         </p:txBody>
@@ -32131,8 +32148,8 @@
           <a:lstStyle/>
           <a:p>
             <a:r>
-              <a:rPr lang="nl-BE"/>
-              <a:t>Zie Scherp</a:t>
+              <a:rPr lang="nl-BE" dirty="0"/>
+              <a:t>Zie Scherp Scherper</a:t>
             </a:r>
           </a:p>
         </p:txBody>
@@ -32383,8 +32400,8 @@
           <a:lstStyle/>
           <a:p>
             <a:r>
-              <a:rPr lang="nl-BE"/>
-              <a:t>Zie Scherp</a:t>
+              <a:rPr lang="nl-BE" dirty="0"/>
+              <a:t>Zie Scherp Scherper</a:t>
             </a:r>
           </a:p>
         </p:txBody>
@@ -32422,6 +32439,302 @@
     <p:extLst>
       <p:ext uri="{BB962C8B-B14F-4D97-AF65-F5344CB8AC3E}">
         <p14:creationId xmlns:p14="http://schemas.microsoft.com/office/powerpoint/2010/main" val="2447750720"/>
+      </p:ext>
+    </p:extLst>
+  </p:cSld>
+  <p:clrMapOvr>
+    <a:masterClrMapping/>
+  </p:clrMapOvr>
+</p:sld>
+</file>
+
+<file path=ppt/slides/slide49.xml><?xml version="1.0" encoding="utf-8"?>
+<p:sld xmlns:a="http://schemas.openxmlformats.org/drawingml/2006/main" xmlns:r="http://schemas.openxmlformats.org/officeDocument/2006/relationships" xmlns:p="http://schemas.openxmlformats.org/presentationml/2006/main">
+  <p:cSld>
+    <p:spTree>
+      <p:nvGrpSpPr>
+        <p:cNvPr id="1" name=""/>
+        <p:cNvGrpSpPr/>
+        <p:nvPr/>
+      </p:nvGrpSpPr>
+      <p:grpSpPr>
+        <a:xfrm>
+          <a:off x="0" y="0"/>
+          <a:ext cx="0" cy="0"/>
+          <a:chOff x="0" y="0"/>
+          <a:chExt cx="0" cy="0"/>
+        </a:xfrm>
+      </p:grpSpPr>
+      <p:sp>
+        <p:nvSpPr>
+          <p:cNvPr id="6" name="Rechthoek 5">
+            <a:extLst>
+              <a:ext uri="{FF2B5EF4-FFF2-40B4-BE49-F238E27FC236}">
+                <a16:creationId xmlns:a16="http://schemas.microsoft.com/office/drawing/2014/main" id="{C1CC89C1-DC1E-917B-D25E-69B5776D404F}"/>
+              </a:ext>
+            </a:extLst>
+          </p:cNvPr>
+          <p:cNvSpPr/>
+          <p:nvPr/>
+        </p:nvSpPr>
+        <p:spPr>
+          <a:xfrm>
+            <a:off x="838200" y="5085184"/>
+            <a:ext cx="10658400" cy="864096"/>
+          </a:xfrm>
+          <a:prstGeom prst="rect">
+            <a:avLst/>
+          </a:prstGeom>
+        </p:spPr>
+        <p:style>
+          <a:lnRef idx="2">
+            <a:schemeClr val="accent4">
+              <a:shade val="50000"/>
+            </a:schemeClr>
+          </a:lnRef>
+          <a:fillRef idx="1">
+            <a:schemeClr val="accent4"/>
+          </a:fillRef>
+          <a:effectRef idx="0">
+            <a:schemeClr val="accent4"/>
+          </a:effectRef>
+          <a:fontRef idx="minor">
+            <a:schemeClr val="lt1"/>
+          </a:fontRef>
+        </p:style>
+        <p:txBody>
+          <a:bodyPr rtlCol="0" anchor="ctr"/>
+          <a:lstStyle/>
+          <a:p>
+            <a:pPr algn="ctr"/>
+            <a:endParaRPr lang="nl-NL"/>
+          </a:p>
+        </p:txBody>
+      </p:sp>
+      <p:sp>
+        <p:nvSpPr>
+          <p:cNvPr id="2" name="Titel 1">
+            <a:extLst>
+              <a:ext uri="{FF2B5EF4-FFF2-40B4-BE49-F238E27FC236}">
+                <a16:creationId xmlns:a16="http://schemas.microsoft.com/office/drawing/2014/main" id="{6F8E1924-B892-8B5A-7836-BE57C96EF1D8}"/>
+              </a:ext>
+            </a:extLst>
+          </p:cNvPr>
+          <p:cNvSpPr>
+            <a:spLocks noGrp="1"/>
+          </p:cNvSpPr>
+          <p:nvPr>
+            <p:ph type="title"/>
+          </p:nvPr>
+        </p:nvSpPr>
+        <p:spPr/>
+        <p:txBody>
+          <a:bodyPr/>
+          <a:lstStyle/>
+          <a:p>
+            <a:r>
+              <a:rPr lang="en-US" dirty="0"/>
+              <a:t>Meer info</a:t>
+            </a:r>
+            <a:endParaRPr lang="nl-NL" dirty="0"/>
+          </a:p>
+        </p:txBody>
+      </p:sp>
+      <p:sp>
+        <p:nvSpPr>
+          <p:cNvPr id="3" name="Tijdelijke aanduiding voor inhoud 2">
+            <a:extLst>
+              <a:ext uri="{FF2B5EF4-FFF2-40B4-BE49-F238E27FC236}">
+                <a16:creationId xmlns:a16="http://schemas.microsoft.com/office/drawing/2014/main" id="{E732A4CC-42D6-F95B-C0C5-FF2A05D19786}"/>
+              </a:ext>
+            </a:extLst>
+          </p:cNvPr>
+          <p:cNvSpPr>
+            <a:spLocks noGrp="1"/>
+          </p:cNvSpPr>
+          <p:nvPr>
+            <p:ph idx="1"/>
+          </p:nvPr>
+        </p:nvSpPr>
+        <p:spPr>
+          <a:xfrm>
+            <a:off x="838200" y="1825624"/>
+            <a:ext cx="10515600" cy="4267671"/>
+          </a:xfrm>
+        </p:spPr>
+        <p:txBody>
+          <a:bodyPr>
+            <a:normAutofit fontScale="92500" lnSpcReduction="10000"/>
+          </a:bodyPr>
+          <a:lstStyle/>
+          <a:p>
+            <a:r>
+              <a:rPr lang="nl-BE" dirty="0"/>
+              <a:t>Slides gemaakt door </a:t>
+            </a:r>
+          </a:p>
+          <a:p>
+            <a:pPr lvl="1"/>
+            <a:r>
+              <a:rPr lang="nl-BE" dirty="0"/>
+              <a:t>Tim Dams (</a:t>
+            </a:r>
+            <a:r>
+              <a:rPr lang="nl-BE" dirty="0">
+                <a:hlinkClick r:id="rId2" action="ppaction://hlinkfile"/>
+              </a:rPr>
+              <a:t>ziescherp.be</a:t>
+            </a:r>
+            <a:r>
+              <a:rPr lang="nl-BE" dirty="0"/>
+              <a:t>), AP Hogeschool opleidingen elektronica-</a:t>
+            </a:r>
+            <a:r>
+              <a:rPr lang="nl-BE" dirty="0" err="1"/>
+              <a:t>ict</a:t>
+            </a:r>
+            <a:r>
+              <a:rPr lang="nl-BE" dirty="0"/>
+              <a:t> en toegepaste informatica</a:t>
+            </a:r>
+          </a:p>
+          <a:p>
+            <a:pPr lvl="1"/>
+            <a:endParaRPr lang="nl-BE" dirty="0"/>
+          </a:p>
+          <a:p>
+            <a:r>
+              <a:rPr lang="nl-BE" dirty="0"/>
+              <a:t>Sommige slides gebaseerd of gekopieerd van slidedecks van:</a:t>
+            </a:r>
+          </a:p>
+          <a:p>
+            <a:pPr lvl="1"/>
+            <a:r>
+              <a:rPr lang="nl-BE" sz="2200" dirty="0"/>
+              <a:t>Programmeren in C# door Douglas Bell en Mike Parr (vert. Kris Hermans)</a:t>
+            </a:r>
+          </a:p>
+          <a:p>
+            <a:pPr lvl="1"/>
+            <a:r>
+              <a:rPr lang="nl-BE" sz="2200" dirty="0"/>
+              <a:t>Microsoft Visual C# 2015: An </a:t>
+            </a:r>
+            <a:r>
+              <a:rPr lang="nl-BE" sz="2200" dirty="0" err="1"/>
+              <a:t>Introduction</a:t>
+            </a:r>
+            <a:r>
+              <a:rPr lang="nl-BE" sz="2200" dirty="0"/>
+              <a:t> </a:t>
+            </a:r>
+            <a:r>
+              <a:rPr lang="nl-BE" sz="2200" dirty="0" err="1"/>
+              <a:t>to</a:t>
+            </a:r>
+            <a:r>
+              <a:rPr lang="nl-BE" sz="2200" dirty="0"/>
+              <a:t> Object-</a:t>
+            </a:r>
+            <a:r>
+              <a:rPr lang="nl-BE" sz="2200" dirty="0" err="1"/>
+              <a:t>Oriented</a:t>
+            </a:r>
+            <a:r>
+              <a:rPr lang="nl-BE" sz="2200" dirty="0"/>
+              <a:t> Programming door Joyce </a:t>
+            </a:r>
+            <a:r>
+              <a:rPr lang="nl-BE" sz="2200" dirty="0" err="1"/>
+              <a:t>Farrell</a:t>
+            </a:r>
+            <a:endParaRPr lang="nl-BE" sz="2200" dirty="0"/>
+          </a:p>
+          <a:p>
+            <a:pPr lvl="1"/>
+            <a:r>
+              <a:rPr lang="nl-BE" dirty="0"/>
+              <a:t>E.a.</a:t>
+            </a:r>
+          </a:p>
+          <a:p>
+            <a:pPr lvl="1"/>
+            <a:endParaRPr lang="nl-BE" dirty="0"/>
+          </a:p>
+          <a:p>
+            <a:pPr lvl="1"/>
+            <a:endParaRPr lang="nl-BE" dirty="0"/>
+          </a:p>
+          <a:p>
+            <a:r>
+              <a:rPr lang="nl-BE" b="1" dirty="0"/>
+              <a:t>Slides mogen aangepast worden, op voorwaarde dat deze slide steeds achteraan de slidedeck staat.</a:t>
+            </a:r>
+          </a:p>
+        </p:txBody>
+      </p:sp>
+      <p:sp>
+        <p:nvSpPr>
+          <p:cNvPr id="4" name="Tijdelijke aanduiding voor voettekst 3">
+            <a:extLst>
+              <a:ext uri="{FF2B5EF4-FFF2-40B4-BE49-F238E27FC236}">
+                <a16:creationId xmlns:a16="http://schemas.microsoft.com/office/drawing/2014/main" id="{4C3978F3-3532-3F17-E9AB-E248272BA1E3}"/>
+              </a:ext>
+            </a:extLst>
+          </p:cNvPr>
+          <p:cNvSpPr>
+            <a:spLocks noGrp="1"/>
+          </p:cNvSpPr>
+          <p:nvPr>
+            <p:ph type="ftr" sz="quarter" idx="11"/>
+          </p:nvPr>
+        </p:nvSpPr>
+        <p:spPr/>
+        <p:txBody>
+          <a:bodyPr/>
+          <a:lstStyle/>
+          <a:p>
+            <a:r>
+              <a:rPr lang="nl-BE" dirty="0"/>
+              <a:t>Zie Scherp Scherper</a:t>
+            </a:r>
+          </a:p>
+        </p:txBody>
+      </p:sp>
+      <p:sp>
+        <p:nvSpPr>
+          <p:cNvPr id="5" name="Tijdelijke aanduiding voor dianummer 4">
+            <a:extLst>
+              <a:ext uri="{FF2B5EF4-FFF2-40B4-BE49-F238E27FC236}">
+                <a16:creationId xmlns:a16="http://schemas.microsoft.com/office/drawing/2014/main" id="{9769B4E3-C3FC-8575-9CA3-EE3F06738607}"/>
+              </a:ext>
+            </a:extLst>
+          </p:cNvPr>
+          <p:cNvSpPr>
+            <a:spLocks noGrp="1"/>
+          </p:cNvSpPr>
+          <p:nvPr>
+            <p:ph type="sldNum" sz="quarter" idx="12"/>
+          </p:nvPr>
+        </p:nvSpPr>
+        <p:spPr/>
+        <p:txBody>
+          <a:bodyPr/>
+          <a:lstStyle/>
+          <a:p>
+            <a:fld id="{E8A62353-F7CD-46ED-8877-B27D0E33FCF8}" type="slidenum">
+              <a:rPr lang="nl-BE" smtClean="0"/>
+              <a:t>49</a:t>
+            </a:fld>
+            <a:endParaRPr lang="nl-BE"/>
+          </a:p>
+        </p:txBody>
+      </p:sp>
+    </p:spTree>
+    <p:extLst>
+      <p:ext uri="{BB962C8B-B14F-4D97-AF65-F5344CB8AC3E}">
+        <p14:creationId xmlns:p14="http://schemas.microsoft.com/office/powerpoint/2010/main" val="106072752"/>
       </p:ext>
     </p:extLst>
   </p:cSld>
@@ -32531,8 +32844,8 @@
           <a:lstStyle/>
           <a:p>
             <a:r>
-              <a:rPr lang="nl-BE"/>
-              <a:t>Zie Scherp</a:t>
+              <a:rPr lang="nl-BE" dirty="0"/>
+              <a:t>Zie Scherp Scherper</a:t>
             </a:r>
           </a:p>
         </p:txBody>
@@ -32861,8 +33174,8 @@
           <a:lstStyle/>
           <a:p>
             <a:r>
-              <a:rPr lang="nl-BE"/>
-              <a:t>Zie Scherp</a:t>
+              <a:rPr lang="nl-BE" dirty="0"/>
+              <a:t>Zie Scherp Scherper</a:t>
             </a:r>
           </a:p>
         </p:txBody>
@@ -33011,8 +33324,8 @@
           <a:lstStyle/>
           <a:p>
             <a:r>
-              <a:rPr lang="nl-BE"/>
-              <a:t>Zie Scherp</a:t>
+              <a:rPr lang="nl-BE" dirty="0"/>
+              <a:t>Zie Scherp Scherper</a:t>
             </a:r>
           </a:p>
         </p:txBody>
@@ -33625,8 +33938,8 @@
           <a:lstStyle/>
           <a:p>
             <a:r>
-              <a:rPr lang="nl-BE"/>
-              <a:t>Zie Scherp</a:t>
+              <a:rPr lang="nl-BE" dirty="0"/>
+              <a:t>Zie Scherp Scherper</a:t>
             </a:r>
           </a:p>
         </p:txBody>
@@ -33979,8 +34292,8 @@
           <a:lstStyle/>
           <a:p>
             <a:r>
-              <a:rPr lang="nl-BE"/>
-              <a:t>Zie Scherp</a:t>
+              <a:rPr lang="nl-BE" dirty="0"/>
+              <a:t>Zie Scherp Scherper</a:t>
             </a:r>
           </a:p>
         </p:txBody>
